--- a/Constructor.pptx
+++ b/Constructor.pptx
@@ -14,7 +14,8 @@
     <p:sldId id="262" r:id="rId8"/>
     <p:sldId id="263" r:id="rId9"/>
     <p:sldId id="264" r:id="rId10"/>
-    <p:sldId id="265" r:id="rId11"/>
+    <p:sldId id="266" r:id="rId11"/>
+    <p:sldId id="265" r:id="rId12"/>
   </p:sldIdLst>
   <p:sldSz cx="12192000" cy="6858000"/>
   <p:notesSz cx="6858000" cy="9144000"/>
@@ -113,6 +114,11 @@
       </a:defRPr>
     </a:lvl9pPr>
   </p:defaultTextStyle>
+  <p:extLst>
+    <p:ext uri="{EFAFB233-063F-42B5-8137-9DF3F51BA10A}">
+      <p15:sldGuideLst xmlns:p15="http://schemas.microsoft.com/office/powerpoint/2012/main"/>
+    </p:ext>
+  </p:extLst>
 </p:presentation>
 </file>
 
@@ -307,7 +313,7 @@
           <a:p>
             <a:fld id="{5B425323-A06B-4435-BE43-1D5547DECD65}" type="datetimeFigureOut">
               <a:rPr lang="en-IN" smtClean="0"/>
-              <a:t>15-03-2022</a:t>
+              <a:t>24-04-2022</a:t>
             </a:fld>
             <a:endParaRPr lang="en-IN"/>
           </a:p>
@@ -743,7 +749,7 @@
           <a:p>
             <a:fld id="{5B425323-A06B-4435-BE43-1D5547DECD65}" type="datetimeFigureOut">
               <a:rPr lang="en-IN" smtClean="0"/>
-              <a:t>15-03-2022</a:t>
+              <a:t>24-04-2022</a:t>
             </a:fld>
             <a:endParaRPr lang="en-IN"/>
           </a:p>
@@ -993,7 +999,7 @@
           <a:p>
             <a:fld id="{5B425323-A06B-4435-BE43-1D5547DECD65}" type="datetimeFigureOut">
               <a:rPr lang="en-IN" smtClean="0"/>
-              <a:t>15-03-2022</a:t>
+              <a:t>24-04-2022</a:t>
             </a:fld>
             <a:endParaRPr lang="en-IN"/>
           </a:p>
@@ -1301,7 +1307,7 @@
           <a:p>
             <a:fld id="{5B425323-A06B-4435-BE43-1D5547DECD65}" type="datetimeFigureOut">
               <a:rPr lang="en-IN" smtClean="0"/>
-              <a:t>15-03-2022</a:t>
+              <a:t>24-04-2022</a:t>
             </a:fld>
             <a:endParaRPr lang="en-IN"/>
           </a:p>
@@ -1619,7 +1625,7 @@
           <a:p>
             <a:fld id="{5B425323-A06B-4435-BE43-1D5547DECD65}" type="datetimeFigureOut">
               <a:rPr lang="en-IN" smtClean="0"/>
-              <a:t>15-03-2022</a:t>
+              <a:t>24-04-2022</a:t>
             </a:fld>
             <a:endParaRPr lang="en-IN"/>
           </a:p>
@@ -1921,7 +1927,7 @@
           <a:p>
             <a:fld id="{5B425323-A06B-4435-BE43-1D5547DECD65}" type="datetimeFigureOut">
               <a:rPr lang="en-IN" smtClean="0"/>
-              <a:t>15-03-2022</a:t>
+              <a:t>24-04-2022</a:t>
             </a:fld>
             <a:endParaRPr lang="en-IN"/>
           </a:p>
@@ -2288,7 +2294,7 @@
           <a:p>
             <a:fld id="{5B425323-A06B-4435-BE43-1D5547DECD65}" type="datetimeFigureOut">
               <a:rPr lang="en-IN" smtClean="0"/>
-              <a:t>15-03-2022</a:t>
+              <a:t>24-04-2022</a:t>
             </a:fld>
             <a:endParaRPr lang="en-IN"/>
           </a:p>
@@ -2462,7 +2468,7 @@
           <a:p>
             <a:fld id="{5B425323-A06B-4435-BE43-1D5547DECD65}" type="datetimeFigureOut">
               <a:rPr lang="en-IN" smtClean="0"/>
-              <a:t>15-03-2022</a:t>
+              <a:t>24-04-2022</a:t>
             </a:fld>
             <a:endParaRPr lang="en-IN"/>
           </a:p>
@@ -2642,7 +2648,7 @@
           <a:p>
             <a:fld id="{5B425323-A06B-4435-BE43-1D5547DECD65}" type="datetimeFigureOut">
               <a:rPr lang="en-IN" smtClean="0"/>
-              <a:t>15-03-2022</a:t>
+              <a:t>24-04-2022</a:t>
             </a:fld>
             <a:endParaRPr lang="en-IN"/>
           </a:p>
@@ -2812,7 +2818,7 @@
           <a:p>
             <a:fld id="{5B425323-A06B-4435-BE43-1D5547DECD65}" type="datetimeFigureOut">
               <a:rPr lang="en-IN" smtClean="0"/>
-              <a:t>15-03-2022</a:t>
+              <a:t>24-04-2022</a:t>
             </a:fld>
             <a:endParaRPr lang="en-IN"/>
           </a:p>
@@ -3062,7 +3068,7 @@
           <a:p>
             <a:fld id="{5B425323-A06B-4435-BE43-1D5547DECD65}" type="datetimeFigureOut">
               <a:rPr lang="en-IN" smtClean="0"/>
-              <a:t>15-03-2022</a:t>
+              <a:t>24-04-2022</a:t>
             </a:fld>
             <a:endParaRPr lang="en-IN"/>
           </a:p>
@@ -3298,7 +3304,7 @@
           <a:p>
             <a:fld id="{5B425323-A06B-4435-BE43-1D5547DECD65}" type="datetimeFigureOut">
               <a:rPr lang="en-IN" smtClean="0"/>
-              <a:t>15-03-2022</a:t>
+              <a:t>24-04-2022</a:t>
             </a:fld>
             <a:endParaRPr lang="en-IN"/>
           </a:p>
@@ -3680,7 +3686,7 @@
           <a:p>
             <a:fld id="{5B425323-A06B-4435-BE43-1D5547DECD65}" type="datetimeFigureOut">
               <a:rPr lang="en-IN" smtClean="0"/>
-              <a:t>15-03-2022</a:t>
+              <a:t>24-04-2022</a:t>
             </a:fld>
             <a:endParaRPr lang="en-IN"/>
           </a:p>
@@ -3798,7 +3804,7 @@
           <a:p>
             <a:fld id="{5B425323-A06B-4435-BE43-1D5547DECD65}" type="datetimeFigureOut">
               <a:rPr lang="en-IN" smtClean="0"/>
-              <a:t>15-03-2022</a:t>
+              <a:t>24-04-2022</a:t>
             </a:fld>
             <a:endParaRPr lang="en-IN"/>
           </a:p>
@@ -3893,7 +3899,7 @@
           <a:p>
             <a:fld id="{5B425323-A06B-4435-BE43-1D5547DECD65}" type="datetimeFigureOut">
               <a:rPr lang="en-IN" smtClean="0"/>
-              <a:t>15-03-2022</a:t>
+              <a:t>24-04-2022</a:t>
             </a:fld>
             <a:endParaRPr lang="en-IN"/>
           </a:p>
@@ -4148,7 +4154,7 @@
           <a:p>
             <a:fld id="{5B425323-A06B-4435-BE43-1D5547DECD65}" type="datetimeFigureOut">
               <a:rPr lang="en-IN" smtClean="0"/>
-              <a:t>15-03-2022</a:t>
+              <a:t>24-04-2022</a:t>
             </a:fld>
             <a:endParaRPr lang="en-IN"/>
           </a:p>
@@ -4431,7 +4437,7 @@
           <a:p>
             <a:fld id="{5B425323-A06B-4435-BE43-1D5547DECD65}" type="datetimeFigureOut">
               <a:rPr lang="en-IN" smtClean="0"/>
-              <a:t>15-03-2022</a:t>
+              <a:t>24-04-2022</a:t>
             </a:fld>
             <a:endParaRPr lang="en-IN"/>
           </a:p>
@@ -4837,7 +4843,7 @@
           <a:p>
             <a:fld id="{5B425323-A06B-4435-BE43-1D5547DECD65}" type="datetimeFigureOut">
               <a:rPr lang="en-IN" smtClean="0"/>
-              <a:t>15-03-2022</a:t>
+              <a:t>24-04-2022</a:t>
             </a:fld>
             <a:endParaRPr lang="en-IN"/>
           </a:p>
@@ -5495,6 +5501,199 @@
           <p:cNvPr id="2" name="TextBox 1">
             <a:extLst>
               <a:ext uri="{FF2B5EF4-FFF2-40B4-BE49-F238E27FC236}">
+                <a16:creationId xmlns:a16="http://schemas.microsoft.com/office/drawing/2014/main" id="{BEF2AAB2-C60D-4011-8ECD-7F0B8B02DD0E}"/>
+              </a:ext>
+            </a:extLst>
+          </p:cNvPr>
+          <p:cNvSpPr txBox="1"/>
+          <p:nvPr/>
+        </p:nvSpPr>
+        <p:spPr>
+          <a:xfrm>
+            <a:off x="188259" y="179294"/>
+            <a:ext cx="11815482" cy="5663089"/>
+          </a:xfrm>
+          <a:prstGeom prst="rect">
+            <a:avLst/>
+          </a:prstGeom>
+          <a:noFill/>
+        </p:spPr>
+        <p:txBody>
+          <a:bodyPr wrap="square" rtlCol="0">
+            <a:spAutoFit/>
+          </a:bodyPr>
+          <a:lstStyle/>
+          <a:p>
+            <a:pPr algn="ctr"/>
+            <a:r>
+              <a:rPr lang="en-US" sz="4400" b="1" dirty="0">
+                <a:latin typeface="Times New Roman" panose="02020603050405020304" pitchFamily="18" charset="0"/>
+                <a:cs typeface="Times New Roman" panose="02020603050405020304" pitchFamily="18" charset="0"/>
+              </a:rPr>
+              <a:t>Private Constructor</a:t>
+            </a:r>
+          </a:p>
+          <a:p>
+            <a:endParaRPr lang="en-US" dirty="0"/>
+          </a:p>
+          <a:p>
+            <a:pPr algn="just"/>
+            <a:endParaRPr lang="en-US" sz="2400" dirty="0"/>
+          </a:p>
+          <a:p>
+            <a:pPr algn="just"/>
+            <a:r>
+              <a:rPr lang="en-US" sz="2400" dirty="0">
+                <a:latin typeface="Times New Roman" panose="02020603050405020304" pitchFamily="18" charset="0"/>
+                <a:cs typeface="Times New Roman" panose="02020603050405020304" pitchFamily="18" charset="0"/>
+              </a:rPr>
+              <a:t>In java, it is possible to create a constructor to write a constructor as a private but according to the rule we can't access private members outside of class.</a:t>
+            </a:r>
+          </a:p>
+          <a:p>
+            <a:endParaRPr lang="en-US" dirty="0">
+              <a:latin typeface="Times New Roman" panose="02020603050405020304" pitchFamily="18" charset="0"/>
+              <a:cs typeface="Times New Roman" panose="02020603050405020304" pitchFamily="18" charset="0"/>
+            </a:endParaRPr>
+          </a:p>
+          <a:p>
+            <a:endParaRPr lang="en-US" dirty="0">
+              <a:latin typeface="Times New Roman" panose="02020603050405020304" pitchFamily="18" charset="0"/>
+              <a:cs typeface="Times New Roman" panose="02020603050405020304" pitchFamily="18" charset="0"/>
+            </a:endParaRPr>
+          </a:p>
+          <a:p>
+            <a:r>
+              <a:rPr lang="en-US" sz="2400" dirty="0">
+                <a:latin typeface="Times New Roman" panose="02020603050405020304" pitchFamily="18" charset="0"/>
+                <a:cs typeface="Times New Roman" panose="02020603050405020304" pitchFamily="18" charset="0"/>
+              </a:rPr>
+              <a:t>Example - </a:t>
+            </a:r>
+          </a:p>
+          <a:p>
+            <a:endParaRPr lang="en-US" sz="2400" dirty="0">
+              <a:latin typeface="Times New Roman" panose="02020603050405020304" pitchFamily="18" charset="0"/>
+              <a:cs typeface="Times New Roman" panose="02020603050405020304" pitchFamily="18" charset="0"/>
+            </a:endParaRPr>
+          </a:p>
+          <a:p>
+            <a:r>
+              <a:rPr lang="en-US" sz="2400" dirty="0">
+                <a:latin typeface="Times New Roman" panose="02020603050405020304" pitchFamily="18" charset="0"/>
+                <a:cs typeface="Times New Roman" panose="02020603050405020304" pitchFamily="18" charset="0"/>
+              </a:rPr>
+              <a:t>	class </a:t>
+            </a:r>
+            <a:r>
+              <a:rPr lang="en-US" sz="2400" dirty="0" err="1">
+                <a:latin typeface="Times New Roman" panose="02020603050405020304" pitchFamily="18" charset="0"/>
+                <a:cs typeface="Times New Roman" panose="02020603050405020304" pitchFamily="18" charset="0"/>
+              </a:rPr>
+              <a:t>class_name</a:t>
+            </a:r>
+            <a:r>
+              <a:rPr lang="en-US" sz="2400" dirty="0">
+                <a:latin typeface="Times New Roman" panose="02020603050405020304" pitchFamily="18" charset="0"/>
+                <a:cs typeface="Times New Roman" panose="02020603050405020304" pitchFamily="18" charset="0"/>
+              </a:rPr>
+              <a:t>{</a:t>
+            </a:r>
+          </a:p>
+          <a:p>
+            <a:endParaRPr lang="en-US" sz="2400" dirty="0">
+              <a:latin typeface="Times New Roman" panose="02020603050405020304" pitchFamily="18" charset="0"/>
+              <a:cs typeface="Times New Roman" panose="02020603050405020304" pitchFamily="18" charset="0"/>
+            </a:endParaRPr>
+          </a:p>
+          <a:p>
+            <a:r>
+              <a:rPr lang="en-US" sz="2400" dirty="0">
+                <a:latin typeface="Times New Roman" panose="02020603050405020304" pitchFamily="18" charset="0"/>
+                <a:cs typeface="Times New Roman" panose="02020603050405020304" pitchFamily="18" charset="0"/>
+              </a:rPr>
+              <a:t>		private </a:t>
+            </a:r>
+            <a:r>
+              <a:rPr lang="en-US" sz="2400" dirty="0" err="1">
+                <a:latin typeface="Times New Roman" panose="02020603050405020304" pitchFamily="18" charset="0"/>
+                <a:cs typeface="Times New Roman" panose="02020603050405020304" pitchFamily="18" charset="0"/>
+              </a:rPr>
+              <a:t>constructor_name</a:t>
+            </a:r>
+            <a:r>
+              <a:rPr lang="en-US" sz="2400" dirty="0">
+                <a:latin typeface="Times New Roman" panose="02020603050405020304" pitchFamily="18" charset="0"/>
+                <a:cs typeface="Times New Roman" panose="02020603050405020304" pitchFamily="18" charset="0"/>
+              </a:rPr>
+              <a:t>(){</a:t>
+            </a:r>
+          </a:p>
+          <a:p>
+            <a:endParaRPr lang="en-US" sz="2400" dirty="0">
+              <a:latin typeface="Times New Roman" panose="02020603050405020304" pitchFamily="18" charset="0"/>
+              <a:cs typeface="Times New Roman" panose="02020603050405020304" pitchFamily="18" charset="0"/>
+            </a:endParaRPr>
+          </a:p>
+          <a:p>
+            <a:r>
+              <a:rPr lang="en-US" sz="2400" dirty="0">
+                <a:latin typeface="Times New Roman" panose="02020603050405020304" pitchFamily="18" charset="0"/>
+                <a:cs typeface="Times New Roman" panose="02020603050405020304" pitchFamily="18" charset="0"/>
+              </a:rPr>
+              <a:t>		}</a:t>
+            </a:r>
+          </a:p>
+          <a:p>
+            <a:r>
+              <a:rPr lang="en-US" sz="2400" dirty="0">
+                <a:latin typeface="Times New Roman" panose="02020603050405020304" pitchFamily="18" charset="0"/>
+                <a:cs typeface="Times New Roman" panose="02020603050405020304" pitchFamily="18" charset="0"/>
+              </a:rPr>
+              <a:t>	}</a:t>
+            </a:r>
+            <a:endParaRPr lang="en-IN" sz="2400" dirty="0">
+              <a:latin typeface="Times New Roman" panose="02020603050405020304" pitchFamily="18" charset="0"/>
+              <a:cs typeface="Times New Roman" panose="02020603050405020304" pitchFamily="18" charset="0"/>
+            </a:endParaRPr>
+          </a:p>
+        </p:txBody>
+      </p:sp>
+    </p:spTree>
+    <p:extLst>
+      <p:ext uri="{BB962C8B-B14F-4D97-AF65-F5344CB8AC3E}">
+        <p14:creationId xmlns:p14="http://schemas.microsoft.com/office/powerpoint/2010/main" val="389069893"/>
+      </p:ext>
+    </p:extLst>
+  </p:cSld>
+  <p:clrMapOvr>
+    <a:masterClrMapping/>
+  </p:clrMapOvr>
+</p:sld>
+</file>
+
+<file path=ppt/slides/slide11.xml><?xml version="1.0" encoding="utf-8"?>
+<p:sld xmlns:a="http://schemas.openxmlformats.org/drawingml/2006/main" xmlns:r="http://schemas.openxmlformats.org/officeDocument/2006/relationships" xmlns:p="http://schemas.openxmlformats.org/presentationml/2006/main">
+  <p:cSld>
+    <p:spTree>
+      <p:nvGrpSpPr>
+        <p:cNvPr id="1" name=""/>
+        <p:cNvGrpSpPr/>
+        <p:nvPr/>
+      </p:nvGrpSpPr>
+      <p:grpSpPr>
+        <a:xfrm>
+          <a:off x="0" y="0"/>
+          <a:ext cx="0" cy="0"/>
+          <a:chOff x="0" y="0"/>
+          <a:chExt cx="0" cy="0"/>
+        </a:xfrm>
+      </p:grpSpPr>
+      <p:sp>
+        <p:nvSpPr>
+          <p:cNvPr id="2" name="TextBox 1">
+            <a:extLst>
+              <a:ext uri="{FF2B5EF4-FFF2-40B4-BE49-F238E27FC236}">
                 <a16:creationId xmlns:a16="http://schemas.microsoft.com/office/drawing/2014/main" id="{94FFCFA8-F6F5-4D96-881B-131123781A66}"/>
               </a:ext>
             </a:extLst>
